--- a/APP.pptx
+++ b/APP.pptx
@@ -6,16 +6,14 @@
   </p:sldMasterIdLst>
   <p:sldIdLst>
     <p:sldId id="256" r:id="rId2"/>
-    <p:sldId id="266" r:id="rId3"/>
-    <p:sldId id="259" r:id="rId4"/>
-    <p:sldId id="260" r:id="rId5"/>
-    <p:sldId id="258" r:id="rId6"/>
-    <p:sldId id="262" r:id="rId7"/>
-    <p:sldId id="263" r:id="rId8"/>
-    <p:sldId id="264" r:id="rId9"/>
-    <p:sldId id="261" r:id="rId10"/>
-    <p:sldId id="267" r:id="rId11"/>
-    <p:sldId id="265" r:id="rId12"/>
+    <p:sldId id="260" r:id="rId3"/>
+    <p:sldId id="258" r:id="rId4"/>
+    <p:sldId id="262" r:id="rId5"/>
+    <p:sldId id="263" r:id="rId6"/>
+    <p:sldId id="264" r:id="rId7"/>
+    <p:sldId id="261" r:id="rId8"/>
+    <p:sldId id="267" r:id="rId9"/>
+    <p:sldId id="265" r:id="rId10"/>
   </p:sldIdLst>
   <p:sldSz cx="9144000" cy="6858000" type="screen4x3"/>
   <p:notesSz cx="6858000" cy="9144000"/>
@@ -408,7 +406,7 @@
             <a:fld id="{FE75667B-B959-4719-8544-5DBDC313B620}" type="datetimeFigureOut">
               <a:rPr lang="en-US" smtClean="0"/>
               <a:pPr/>
-              <a:t>7/6/2014</a:t>
+              <a:t>26-Nov-14</a:t>
             </a:fld>
             <a:endParaRPr lang="en-US"/>
           </a:p>
@@ -575,7 +573,7 @@
             <a:fld id="{FE75667B-B959-4719-8544-5DBDC313B620}" type="datetimeFigureOut">
               <a:rPr lang="en-US" smtClean="0"/>
               <a:pPr/>
-              <a:t>7/6/2014</a:t>
+              <a:t>26-Nov-14</a:t>
             </a:fld>
             <a:endParaRPr lang="en-US"/>
           </a:p>
@@ -752,7 +750,7 @@
             <a:fld id="{FE75667B-B959-4719-8544-5DBDC313B620}" type="datetimeFigureOut">
               <a:rPr lang="en-US" smtClean="0"/>
               <a:pPr/>
-              <a:t>7/6/2014</a:t>
+              <a:t>26-Nov-14</a:t>
             </a:fld>
             <a:endParaRPr lang="en-US"/>
           </a:p>
@@ -901,7 +899,7 @@
             <a:fld id="{FE75667B-B959-4719-8544-5DBDC313B620}" type="datetimeFigureOut">
               <a:rPr lang="en-US" smtClean="0"/>
               <a:pPr/>
-              <a:t>7/6/2014</a:t>
+              <a:t>26-Nov-14</a:t>
             </a:fld>
             <a:endParaRPr lang="en-US"/>
           </a:p>
@@ -1020,7 +1018,7 @@
             <a:fld id="{FE75667B-B959-4719-8544-5DBDC313B620}" type="datetimeFigureOut">
               <a:rPr lang="en-US" smtClean="0"/>
               <a:pPr/>
-              <a:t>7/6/2014</a:t>
+              <a:t>26-Nov-14</a:t>
             </a:fld>
             <a:endParaRPr lang="en-US"/>
           </a:p>
@@ -1292,7 +1290,7 @@
             <a:fld id="{FE75667B-B959-4719-8544-5DBDC313B620}" type="datetimeFigureOut">
               <a:rPr lang="en-US" smtClean="0"/>
               <a:pPr/>
-              <a:t>7/6/2014</a:t>
+              <a:t>26-Nov-14</a:t>
             </a:fld>
             <a:endParaRPr lang="en-US"/>
           </a:p>
@@ -1564,7 +1562,7 @@
             <a:fld id="{FE75667B-B959-4719-8544-5DBDC313B620}" type="datetimeFigureOut">
               <a:rPr lang="en-US" smtClean="0"/>
               <a:pPr/>
-              <a:t>7/6/2014</a:t>
+              <a:t>26-Nov-14</a:t>
             </a:fld>
             <a:endParaRPr lang="en-US"/>
           </a:p>
@@ -2012,7 +2010,7 @@
             <a:fld id="{FE75667B-B959-4719-8544-5DBDC313B620}" type="datetimeFigureOut">
               <a:rPr lang="en-US" smtClean="0"/>
               <a:pPr/>
-              <a:t>7/6/2014</a:t>
+              <a:t>26-Nov-14</a:t>
             </a:fld>
             <a:endParaRPr lang="en-US"/>
           </a:p>
@@ -2127,7 +2125,7 @@
             <a:fld id="{FE75667B-B959-4719-8544-5DBDC313B620}" type="datetimeFigureOut">
               <a:rPr lang="en-US" smtClean="0"/>
               <a:pPr/>
-              <a:t>7/6/2014</a:t>
+              <a:t>26-Nov-14</a:t>
             </a:fld>
             <a:endParaRPr lang="en-US"/>
           </a:p>
@@ -2379,7 +2377,7 @@
             <a:fld id="{FE75667B-B959-4719-8544-5DBDC313B620}" type="datetimeFigureOut">
               <a:rPr lang="en-US" smtClean="0"/>
               <a:pPr/>
-              <a:t>7/6/2014</a:t>
+              <a:t>26-Nov-14</a:t>
             </a:fld>
             <a:endParaRPr lang="en-US"/>
           </a:p>
@@ -2621,7 +2619,7 @@
             <a:fld id="{FE75667B-B959-4719-8544-5DBDC313B620}" type="datetimeFigureOut">
               <a:rPr lang="en-US" smtClean="0"/>
               <a:pPr/>
-              <a:t>7/6/2014</a:t>
+              <a:t>26-Nov-14</a:t>
             </a:fld>
             <a:endParaRPr lang="en-US"/>
           </a:p>
@@ -2796,7 +2794,7 @@
             <a:fld id="{FE75667B-B959-4719-8544-5DBDC313B620}" type="datetimeFigureOut">
               <a:rPr lang="en-US" smtClean="0"/>
               <a:pPr/>
-              <a:t>7/6/2014</a:t>
+              <a:t>26-Nov-14</a:t>
             </a:fld>
             <a:endParaRPr lang="en-US"/>
           </a:p>
@@ -3282,9 +3280,82 @@
         </p:xfrm>
         <a:graphic>
           <a:graphicData uri="http://schemas.openxmlformats.org/presentationml/2006/ole">
-            <p:oleObj spid="_x0000_s1026" name="Picture" r:id="rId3" imgW="6933333" imgH="5200000" progId="StaticDib">
-              <p:embed/>
-            </p:oleObj>
+            <mc:AlternateContent xmlns:mc="http://schemas.openxmlformats.org/markup-compatibility/2006">
+              <mc:Choice xmlns:v="urn:schemas-microsoft-com:vml" Requires="v">
+                <p:oleObj spid="_x0000_s1027" name="Picture" r:id="rId3" imgW="6933333" imgH="5200000" progId="StaticDib">
+                  <p:embed/>
+                </p:oleObj>
+              </mc:Choice>
+              <mc:Fallback>
+                <p:oleObj name="Picture" r:id="rId3" imgW="6933333" imgH="5200000" progId="StaticDib">
+                  <p:embed/>
+                  <p:pic>
+                    <p:nvPicPr>
+                      <p:cNvPr id="0" name="Picture 2"/>
+                      <p:cNvPicPr>
+                        <a:picLocks noChangeAspect="1" noChangeArrowheads="1"/>
+                      </p:cNvPicPr>
+                      <p:nvPr/>
+                    </p:nvPicPr>
+                    <p:blipFill>
+                      <a:blip r:embed="rId4">
+                        <a:extLst>
+                          <a:ext uri="{28A0092B-C50C-407E-A947-70E740481C1C}">
+                            <a14:useLocalDpi xmlns:a14="http://schemas.microsoft.com/office/drawing/2010/main" val="0"/>
+                          </a:ext>
+                        </a:extLst>
+                      </a:blip>
+                      <a:srcRect/>
+                      <a:stretch>
+                        <a:fillRect/>
+                      </a:stretch>
+                    </p:blipFill>
+                    <p:spPr bwMode="auto">
+                      <a:xfrm>
+                        <a:off x="457200" y="533400"/>
+                        <a:ext cx="7991475" cy="5832475"/>
+                      </a:xfrm>
+                      <a:prstGeom prst="rect">
+                        <a:avLst/>
+                      </a:prstGeom>
+                      <a:noFill/>
+                      <a:ln>
+                        <a:noFill/>
+                      </a:ln>
+                      <a:effectLst/>
+                      <a:extLst>
+                        <a:ext uri="{909E8E84-426E-40DD-AFC4-6F175D3DCCD1}">
+                          <a14:hiddenFill xmlns:a14="http://schemas.microsoft.com/office/drawing/2010/main">
+                            <a:solidFill>
+                              <a:schemeClr val="accent1"/>
+                            </a:solidFill>
+                          </a14:hiddenFill>
+                        </a:ext>
+                        <a:ext uri="{91240B29-F687-4F45-9708-019B960494DF}">
+                          <a14:hiddenLine xmlns:a14="http://schemas.microsoft.com/office/drawing/2010/main" w="9525">
+                            <a:solidFill>
+                              <a:schemeClr val="tx1"/>
+                            </a:solidFill>
+                            <a:miter lim="800000"/>
+                            <a:headEnd/>
+                            <a:tailEnd/>
+                          </a14:hiddenLine>
+                        </a:ext>
+                        <a:ext uri="{AF507438-7753-43E0-B8FC-AC1667EBCBE1}">
+                          <a14:hiddenEffects xmlns:a14="http://schemas.microsoft.com/office/drawing/2010/main">
+                            <a:effectLst>
+                              <a:outerShdw dist="35921" dir="2700000" algn="ctr" rotWithShape="0">
+                                <a:schemeClr val="bg2"/>
+                              </a:outerShdw>
+                            </a:effectLst>
+                          </a14:hiddenEffects>
+                        </a:ext>
+                      </a:extLst>
+                    </p:spPr>
+                  </p:pic>
+                </p:oleObj>
+              </mc:Fallback>
+            </mc:AlternateContent>
           </a:graphicData>
         </a:graphic>
       </p:graphicFrame>
@@ -3296,191 +3367,13 @@
   <p:transition>
     <p:wedge/>
   </p:transition>
-</p:sld>
-</file>
-
-<file path=ppt/slides/slide10.xml><?xml version="1.0" encoding="utf-8"?>
-<p:sld xmlns:a="http://schemas.openxmlformats.org/drawingml/2006/main" xmlns:r="http://schemas.openxmlformats.org/officeDocument/2006/relationships" xmlns:p="http://schemas.openxmlformats.org/presentationml/2006/main">
-  <p:cSld>
-    <p:spTree>
-      <p:nvGrpSpPr>
-        <p:cNvPr id="1" name=""/>
-        <p:cNvGrpSpPr/>
-        <p:nvPr/>
-      </p:nvGrpSpPr>
-      <p:grpSpPr>
-        <a:xfrm>
-          <a:off x="0" y="0"/>
-          <a:ext cx="0" cy="0"/>
-          <a:chOff x="0" y="0"/>
-          <a:chExt cx="0" cy="0"/>
-        </a:xfrm>
-      </p:grpSpPr>
-      <p:pic>
-        <p:nvPicPr>
-          <p:cNvPr id="14338" name="Picture 2" descr="D:\gunjan important\notes_2.jpg"/>
-          <p:cNvPicPr>
-            <a:picLocks noChangeAspect="1" noChangeArrowheads="1"/>
-          </p:cNvPicPr>
-          <p:nvPr/>
-        </p:nvPicPr>
-        <p:blipFill>
-          <a:blip r:embed="rId2"/>
-          <a:srcRect/>
-          <a:stretch>
-            <a:fillRect/>
-          </a:stretch>
-        </p:blipFill>
-        <p:spPr bwMode="auto">
-          <a:xfrm>
-            <a:off x="609600" y="381000"/>
-            <a:ext cx="8001000" cy="5943599"/>
-          </a:xfrm>
-          <a:prstGeom prst="rect">
-            <a:avLst/>
-          </a:prstGeom>
-          <a:noFill/>
-        </p:spPr>
-      </p:pic>
-    </p:spTree>
-  </p:cSld>
-  <p:clrMapOvr>
-    <a:masterClrMapping/>
-  </p:clrMapOvr>
-</p:sld>
-</file>
-
-<file path=ppt/slides/slide11.xml><?xml version="1.0" encoding="utf-8"?>
-<p:sld xmlns:a="http://schemas.openxmlformats.org/drawingml/2006/main" xmlns:r="http://schemas.openxmlformats.org/officeDocument/2006/relationships" xmlns:p="http://schemas.openxmlformats.org/presentationml/2006/main">
-  <p:cSld>
-    <p:spTree>
-      <p:nvGrpSpPr>
-        <p:cNvPr id="1" name=""/>
-        <p:cNvGrpSpPr/>
-        <p:nvPr/>
-      </p:nvGrpSpPr>
-      <p:grpSpPr>
-        <a:xfrm>
-          <a:off x="0" y="0"/>
-          <a:ext cx="0" cy="0"/>
-          <a:chOff x="0" y="0"/>
-          <a:chExt cx="0" cy="0"/>
-        </a:xfrm>
-      </p:grpSpPr>
-      <p:sp>
-        <p:nvSpPr>
-          <p:cNvPr id="3" name="Content Placeholder 2"/>
-          <p:cNvSpPr>
-            <a:spLocks noGrp="1"/>
-          </p:cNvSpPr>
-          <p:nvPr>
-            <p:ph idx="1"/>
-          </p:nvPr>
-        </p:nvSpPr>
-        <p:spPr/>
-        <p:txBody>
-          <a:bodyPr/>
-          <a:lstStyle/>
-          <a:p>
-            <a:r>
-              <a:rPr lang="en-US" dirty="0" smtClean="0"/>
-              <a:t>ARORA NIKHAR </a:t>
-            </a:r>
-            <a:r>
-              <a:rPr lang="en-US" dirty="0" smtClean="0">
-                <a:sym typeface="Wingdings" pitchFamily="2" charset="2"/>
-              </a:rPr>
-              <a:t></a:t>
-            </a:r>
-            <a:endParaRPr lang="en-US" dirty="0" smtClean="0"/>
-          </a:p>
-          <a:p>
-            <a:r>
-              <a:rPr lang="en-US" dirty="0" smtClean="0"/>
-              <a:t>SONI SAPNA  :p</a:t>
-            </a:r>
-          </a:p>
-          <a:p>
-            <a:r>
-              <a:rPr lang="en-US" dirty="0" smtClean="0"/>
-              <a:t>ROTHOR DIVYA </a:t>
-            </a:r>
-            <a:r>
-              <a:rPr lang="en-US" dirty="0" smtClean="0">
-                <a:sym typeface="Wingdings" pitchFamily="2" charset="2"/>
-              </a:rPr>
-              <a:t></a:t>
-            </a:r>
-            <a:endParaRPr lang="en-US" dirty="0" smtClean="0"/>
-          </a:p>
-          <a:p>
-            <a:r>
-              <a:rPr lang="en-US" dirty="0" smtClean="0"/>
-              <a:t>JUGTAWAT DIVYAVRAT :p</a:t>
-            </a:r>
-          </a:p>
-          <a:p>
-            <a:r>
-              <a:rPr lang="en-US" dirty="0" smtClean="0"/>
-              <a:t>CHOUDHARY SANTOSH </a:t>
-            </a:r>
-            <a:r>
-              <a:rPr lang="en-US" dirty="0" smtClean="0">
-                <a:sym typeface="Wingdings" pitchFamily="2" charset="2"/>
-              </a:rPr>
-              <a:t></a:t>
-            </a:r>
-            <a:endParaRPr lang="en-US" dirty="0" smtClean="0"/>
-          </a:p>
-          <a:p>
-            <a:r>
-              <a:rPr lang="en-US" dirty="0" smtClean="0"/>
-              <a:t>CHOUDHARY GUNJAN ;) </a:t>
-            </a:r>
-          </a:p>
-          <a:p>
-            <a:pPr>
-              <a:buNone/>
-            </a:pPr>
-            <a:endParaRPr lang="en-US" dirty="0" smtClean="0"/>
-          </a:p>
-          <a:p>
-            <a:endParaRPr lang="en-US" dirty="0"/>
-          </a:p>
-        </p:txBody>
-      </p:sp>
-      <p:sp>
-        <p:nvSpPr>
-          <p:cNvPr id="2" name="Title 1"/>
-          <p:cNvSpPr>
-            <a:spLocks noGrp="1"/>
-          </p:cNvSpPr>
-          <p:nvPr>
-            <p:ph type="title"/>
-          </p:nvPr>
-        </p:nvSpPr>
-        <p:spPr/>
-        <p:txBody>
-          <a:bodyPr/>
-          <a:lstStyle/>
-          <a:p>
-            <a:r>
-              <a:rPr smtClean="0"/>
-              <a:t>TEAM MEMBERS</a:t>
-            </a:r>
-            <a:r>
-              <a:rPr lang="en-US" dirty="0" smtClean="0"/>
-              <a:t>….</a:t>
-            </a:r>
-            <a:endParaRPr lang="en-US" dirty="0"/>
-          </a:p>
-        </p:txBody>
-      </p:sp>
-    </p:spTree>
-  </p:cSld>
-  <p:clrMapOvr>
-    <a:masterClrMapping/>
-  </p:clrMapOvr>
+  <p:timing>
+    <p:tnLst>
+      <p:par>
+        <p:cTn id="1" dur="indefinite" restart="never" nodeType="tmRoot"/>
+      </p:par>
+    </p:tnLst>
+  </p:timing>
 </p:sld>
 </file>
 
@@ -3501,6 +3394,89 @@
           <a:chExt cx="0" cy="0"/>
         </a:xfrm>
       </p:grpSpPr>
+      <p:sp>
+        <p:nvSpPr>
+          <p:cNvPr id="2" name="Content Placeholder 1"/>
+          <p:cNvSpPr>
+            <a:spLocks noGrp="1"/>
+          </p:cNvSpPr>
+          <p:nvPr>
+            <p:ph idx="1"/>
+          </p:nvPr>
+        </p:nvSpPr>
+        <p:spPr/>
+        <p:txBody>
+          <a:bodyPr/>
+          <a:lstStyle/>
+          <a:p>
+            <a:r>
+              <a:rPr lang="en-US" dirty="0" smtClean="0"/>
+              <a:t>NOTES</a:t>
+            </a:r>
+          </a:p>
+          <a:p>
+            <a:r>
+              <a:rPr lang="en-US" dirty="0" smtClean="0"/>
+              <a:t>QUIZ</a:t>
+            </a:r>
+          </a:p>
+          <a:p>
+            <a:r>
+              <a:rPr lang="en-US" dirty="0" smtClean="0"/>
+              <a:t>ASSIGNMENT</a:t>
+            </a:r>
+          </a:p>
+          <a:p>
+            <a:r>
+              <a:rPr lang="en-US" dirty="0" smtClean="0"/>
+              <a:t>COLLEGES</a:t>
+            </a:r>
+            <a:endParaRPr lang="en-US" dirty="0" smtClean="0"/>
+          </a:p>
+          <a:p>
+            <a:r>
+              <a:rPr lang="en-US" dirty="0" smtClean="0"/>
+              <a:t>NEWS FEED</a:t>
+            </a:r>
+          </a:p>
+          <a:p>
+            <a:r>
+              <a:rPr lang="en-US" dirty="0" smtClean="0"/>
+              <a:t>CHATROOM</a:t>
+            </a:r>
+          </a:p>
+          <a:p>
+            <a:r>
+              <a:rPr lang="en-US" dirty="0" smtClean="0"/>
+              <a:t>TEAM AND PURPOSE</a:t>
+            </a:r>
+            <a:endParaRPr lang="en-US" dirty="0"/>
+          </a:p>
+        </p:txBody>
+      </p:sp>
+      <p:sp>
+        <p:nvSpPr>
+          <p:cNvPr id="3" name="Title 2"/>
+          <p:cNvSpPr>
+            <a:spLocks noGrp="1"/>
+          </p:cNvSpPr>
+          <p:nvPr>
+            <p:ph type="title"/>
+          </p:nvPr>
+        </p:nvSpPr>
+        <p:spPr/>
+        <p:txBody>
+          <a:bodyPr/>
+          <a:lstStyle/>
+          <a:p>
+            <a:r>
+              <a:rPr smtClean="0"/>
+              <a:t>                    FEATURES</a:t>
+            </a:r>
+            <a:endParaRPr lang="en-US" dirty="0"/>
+          </a:p>
+        </p:txBody>
+      </p:sp>
     </p:spTree>
   </p:cSld>
   <p:clrMapOvr>
@@ -3510,186 +3486,6 @@
 </file>
 
 <file path=ppt/slides/slide3.xml><?xml version="1.0" encoding="utf-8"?>
-<p:sld xmlns:a="http://schemas.openxmlformats.org/drawingml/2006/main" xmlns:r="http://schemas.openxmlformats.org/officeDocument/2006/relationships" xmlns:p="http://schemas.openxmlformats.org/presentationml/2006/main">
-  <p:cSld>
-    <p:spTree>
-      <p:nvGrpSpPr>
-        <p:cNvPr id="1" name=""/>
-        <p:cNvGrpSpPr/>
-        <p:nvPr/>
-      </p:nvGrpSpPr>
-      <p:grpSpPr>
-        <a:xfrm>
-          <a:off x="0" y="0"/>
-          <a:ext cx="0" cy="0"/>
-          <a:chOff x="0" y="0"/>
-          <a:chExt cx="0" cy="0"/>
-        </a:xfrm>
-      </p:grpSpPr>
-      <p:sp>
-        <p:nvSpPr>
-          <p:cNvPr id="2" name="Title 1"/>
-          <p:cNvSpPr>
-            <a:spLocks noGrp="1"/>
-          </p:cNvSpPr>
-          <p:nvPr>
-            <p:ph type="title"/>
-          </p:nvPr>
-        </p:nvSpPr>
-        <p:spPr/>
-        <p:txBody>
-          <a:bodyPr/>
-          <a:lstStyle/>
-          <a:p>
-            <a:r>
-              <a:rPr smtClean="0"/>
-              <a:t>DIVEL CODER'S APP-NOTES</a:t>
-            </a:r>
-            <a:endParaRPr lang="en-US" dirty="0"/>
-          </a:p>
-        </p:txBody>
-      </p:sp>
-      <p:sp>
-        <p:nvSpPr>
-          <p:cNvPr id="3" name="Content Placeholder 2"/>
-          <p:cNvSpPr>
-            <a:spLocks noGrp="1"/>
-          </p:cNvSpPr>
-          <p:nvPr>
-            <p:ph idx="1"/>
-          </p:nvPr>
-        </p:nvSpPr>
-        <p:spPr/>
-        <p:txBody>
-          <a:bodyPr/>
-          <a:lstStyle/>
-          <a:p>
-            <a:r>
-              <a:rPr lang="en-US" dirty="0" smtClean="0"/>
-              <a:t>LOOK AT ME, I WILL TELL YOU, HOW TO MAKE FUN OF APPS……..</a:t>
-            </a:r>
-          </a:p>
-          <a:p>
-            <a:endParaRPr lang="en-US" dirty="0"/>
-          </a:p>
-        </p:txBody>
-      </p:sp>
-    </p:spTree>
-  </p:cSld>
-  <p:clrMapOvr>
-    <a:masterClrMapping/>
-  </p:clrMapOvr>
-</p:sld>
-</file>
-
-<file path=ppt/slides/slide4.xml><?xml version="1.0" encoding="utf-8"?>
-<p:sld xmlns:a="http://schemas.openxmlformats.org/drawingml/2006/main" xmlns:r="http://schemas.openxmlformats.org/officeDocument/2006/relationships" xmlns:p="http://schemas.openxmlformats.org/presentationml/2006/main">
-  <p:cSld>
-    <p:spTree>
-      <p:nvGrpSpPr>
-        <p:cNvPr id="1" name=""/>
-        <p:cNvGrpSpPr/>
-        <p:nvPr/>
-      </p:nvGrpSpPr>
-      <p:grpSpPr>
-        <a:xfrm>
-          <a:off x="0" y="0"/>
-          <a:ext cx="0" cy="0"/>
-          <a:chOff x="0" y="0"/>
-          <a:chExt cx="0" cy="0"/>
-        </a:xfrm>
-      </p:grpSpPr>
-      <p:sp>
-        <p:nvSpPr>
-          <p:cNvPr id="2" name="Content Placeholder 1"/>
-          <p:cNvSpPr>
-            <a:spLocks noGrp="1"/>
-          </p:cNvSpPr>
-          <p:nvPr>
-            <p:ph idx="1"/>
-          </p:nvPr>
-        </p:nvSpPr>
-        <p:spPr/>
-        <p:txBody>
-          <a:bodyPr/>
-          <a:lstStyle/>
-          <a:p>
-            <a:r>
-              <a:rPr lang="en-US" dirty="0" smtClean="0"/>
-              <a:t>NOTES</a:t>
-            </a:r>
-          </a:p>
-          <a:p>
-            <a:r>
-              <a:rPr lang="en-US" dirty="0" smtClean="0"/>
-              <a:t>QUIZ</a:t>
-            </a:r>
-          </a:p>
-          <a:p>
-            <a:r>
-              <a:rPr lang="en-US" dirty="0" smtClean="0"/>
-              <a:t>ASSIGNMENT</a:t>
-            </a:r>
-          </a:p>
-          <a:p>
-            <a:r>
-              <a:rPr lang="en-US" dirty="0" smtClean="0"/>
-              <a:t>COLLAGES</a:t>
-            </a:r>
-          </a:p>
-          <a:p>
-            <a:r>
-              <a:rPr lang="en-US" dirty="0" smtClean="0"/>
-              <a:t>NEWS FEED</a:t>
-            </a:r>
-          </a:p>
-          <a:p>
-            <a:r>
-              <a:rPr lang="en-US" dirty="0" smtClean="0"/>
-              <a:t>CHATROOM</a:t>
-            </a:r>
-          </a:p>
-          <a:p>
-            <a:r>
-              <a:rPr lang="en-US" dirty="0" smtClean="0"/>
-              <a:t>TEAM AND PURPOSE</a:t>
-            </a:r>
-            <a:endParaRPr lang="en-US" dirty="0"/>
-          </a:p>
-        </p:txBody>
-      </p:sp>
-      <p:sp>
-        <p:nvSpPr>
-          <p:cNvPr id="3" name="Title 2"/>
-          <p:cNvSpPr>
-            <a:spLocks noGrp="1"/>
-          </p:cNvSpPr>
-          <p:nvPr>
-            <p:ph type="title"/>
-          </p:nvPr>
-        </p:nvSpPr>
-        <p:spPr/>
-        <p:txBody>
-          <a:bodyPr/>
-          <a:lstStyle/>
-          <a:p>
-            <a:r>
-              <a:rPr smtClean="0"/>
-              <a:t>                    FEATURES</a:t>
-            </a:r>
-            <a:endParaRPr lang="en-US" dirty="0"/>
-          </a:p>
-        </p:txBody>
-      </p:sp>
-    </p:spTree>
-  </p:cSld>
-  <p:clrMapOvr>
-    <a:masterClrMapping/>
-  </p:clrMapOvr>
-</p:sld>
-</file>
-
-<file path=ppt/slides/slide5.xml><?xml version="1.0" encoding="utf-8"?>
 <p:sld xmlns:a="http://schemas.openxmlformats.org/drawingml/2006/main" xmlns:r="http://schemas.openxmlformats.org/officeDocument/2006/relationships" xmlns:p="http://schemas.openxmlformats.org/presentationml/2006/main">
   <p:cSld>
     <p:spTree>
@@ -3789,7 +3585,7 @@
 </p:sld>
 </file>
 
-<file path=ppt/slides/slide6.xml><?xml version="1.0" encoding="utf-8"?>
+<file path=ppt/slides/slide4.xml><?xml version="1.0" encoding="utf-8"?>
 <p:sld xmlns:a="http://schemas.openxmlformats.org/drawingml/2006/main" xmlns:r="http://schemas.openxmlformats.org/officeDocument/2006/relationships" xmlns:p="http://schemas.openxmlformats.org/presentationml/2006/main">
   <p:cSld>
     <p:spTree>
@@ -3889,7 +3685,7 @@
 </p:sld>
 </file>
 
-<file path=ppt/slides/slide7.xml><?xml version="1.0" encoding="utf-8"?>
+<file path=ppt/slides/slide5.xml><?xml version="1.0" encoding="utf-8"?>
 <p:sld xmlns:a="http://schemas.openxmlformats.org/drawingml/2006/main" xmlns:r="http://schemas.openxmlformats.org/officeDocument/2006/relationships" xmlns:p="http://schemas.openxmlformats.org/presentationml/2006/main">
   <p:cSld>
     <p:spTree>
@@ -3923,7 +3719,7 @@
           <a:p>
             <a:r>
               <a:rPr smtClean="0"/>
-              <a:t>          COLLAGES</a:t>
+              <a:t>          COLLEGES</a:t>
             </a:r>
             <a:endParaRPr lang="en-US" dirty="0"/>
           </a:p>
@@ -3970,7 +3766,7 @@
 </p:sld>
 </file>
 
-<file path=ppt/slides/slide8.xml><?xml version="1.0" encoding="utf-8"?>
+<file path=ppt/slides/slide6.xml><?xml version="1.0" encoding="utf-8"?>
 <p:sld xmlns:a="http://schemas.openxmlformats.org/drawingml/2006/main" xmlns:r="http://schemas.openxmlformats.org/officeDocument/2006/relationships" xmlns:p="http://schemas.openxmlformats.org/presentationml/2006/main">
   <p:cSld>
     <p:spTree>
@@ -4044,7 +3840,7 @@
 </p:sld>
 </file>
 
-<file path=ppt/slides/slide9.xml><?xml version="1.0" encoding="utf-8"?>
+<file path=ppt/slides/slide7.xml><?xml version="1.0" encoding="utf-8"?>
 <p:sld xmlns:a="http://schemas.openxmlformats.org/drawingml/2006/main" xmlns:r="http://schemas.openxmlformats.org/officeDocument/2006/relationships" xmlns:p="http://schemas.openxmlformats.org/presentationml/2006/main">
   <p:cSld>
     <p:spTree>
@@ -4110,6 +3906,191 @@
           <a:noFill/>
         </p:spPr>
       </p:pic>
+    </p:spTree>
+  </p:cSld>
+  <p:clrMapOvr>
+    <a:masterClrMapping/>
+  </p:clrMapOvr>
+</p:sld>
+</file>
+
+<file path=ppt/slides/slide8.xml><?xml version="1.0" encoding="utf-8"?>
+<p:sld xmlns:a="http://schemas.openxmlformats.org/drawingml/2006/main" xmlns:r="http://schemas.openxmlformats.org/officeDocument/2006/relationships" xmlns:p="http://schemas.openxmlformats.org/presentationml/2006/main">
+  <p:cSld>
+    <p:spTree>
+      <p:nvGrpSpPr>
+        <p:cNvPr id="1" name=""/>
+        <p:cNvGrpSpPr/>
+        <p:nvPr/>
+      </p:nvGrpSpPr>
+      <p:grpSpPr>
+        <a:xfrm>
+          <a:off x="0" y="0"/>
+          <a:ext cx="0" cy="0"/>
+          <a:chOff x="0" y="0"/>
+          <a:chExt cx="0" cy="0"/>
+        </a:xfrm>
+      </p:grpSpPr>
+      <p:pic>
+        <p:nvPicPr>
+          <p:cNvPr id="14338" name="Picture 2" descr="D:\gunjan important\notes_2.jpg"/>
+          <p:cNvPicPr>
+            <a:picLocks noChangeAspect="1" noChangeArrowheads="1"/>
+          </p:cNvPicPr>
+          <p:nvPr/>
+        </p:nvPicPr>
+        <p:blipFill>
+          <a:blip r:embed="rId2"/>
+          <a:srcRect/>
+          <a:stretch>
+            <a:fillRect/>
+          </a:stretch>
+        </p:blipFill>
+        <p:spPr bwMode="auto">
+          <a:xfrm>
+            <a:off x="609600" y="381000"/>
+            <a:ext cx="8001000" cy="5943599"/>
+          </a:xfrm>
+          <a:prstGeom prst="rect">
+            <a:avLst/>
+          </a:prstGeom>
+          <a:noFill/>
+        </p:spPr>
+      </p:pic>
+    </p:spTree>
+  </p:cSld>
+  <p:clrMapOvr>
+    <a:masterClrMapping/>
+  </p:clrMapOvr>
+</p:sld>
+</file>
+
+<file path=ppt/slides/slide9.xml><?xml version="1.0" encoding="utf-8"?>
+<p:sld xmlns:a="http://schemas.openxmlformats.org/drawingml/2006/main" xmlns:r="http://schemas.openxmlformats.org/officeDocument/2006/relationships" xmlns:p="http://schemas.openxmlformats.org/presentationml/2006/main">
+  <p:cSld>
+    <p:spTree>
+      <p:nvGrpSpPr>
+        <p:cNvPr id="1" name=""/>
+        <p:cNvGrpSpPr/>
+        <p:nvPr/>
+      </p:nvGrpSpPr>
+      <p:grpSpPr>
+        <a:xfrm>
+          <a:off x="0" y="0"/>
+          <a:ext cx="0" cy="0"/>
+          <a:chOff x="0" y="0"/>
+          <a:chExt cx="0" cy="0"/>
+        </a:xfrm>
+      </p:grpSpPr>
+      <p:sp>
+        <p:nvSpPr>
+          <p:cNvPr id="3" name="Content Placeholder 2"/>
+          <p:cNvSpPr>
+            <a:spLocks noGrp="1"/>
+          </p:cNvSpPr>
+          <p:nvPr>
+            <p:ph idx="1"/>
+          </p:nvPr>
+        </p:nvSpPr>
+        <p:spPr/>
+        <p:txBody>
+          <a:bodyPr/>
+          <a:lstStyle/>
+          <a:p>
+            <a:r>
+              <a:rPr lang="en-US" dirty="0" smtClean="0"/>
+              <a:t>ARORA NIKHAR </a:t>
+            </a:r>
+            <a:r>
+              <a:rPr lang="en-US" dirty="0" smtClean="0">
+                <a:sym typeface="Wingdings" pitchFamily="2" charset="2"/>
+              </a:rPr>
+              <a:t></a:t>
+            </a:r>
+            <a:endParaRPr lang="en-US" dirty="0" smtClean="0"/>
+          </a:p>
+          <a:p>
+            <a:r>
+              <a:rPr lang="en-US" dirty="0" smtClean="0"/>
+              <a:t>SONI SAPNA  :p</a:t>
+            </a:r>
+          </a:p>
+          <a:p>
+            <a:r>
+              <a:rPr lang="en-US" dirty="0" smtClean="0"/>
+              <a:t>ROTHOR DIVYA </a:t>
+            </a:r>
+            <a:r>
+              <a:rPr lang="en-US" dirty="0" smtClean="0">
+                <a:sym typeface="Wingdings" pitchFamily="2" charset="2"/>
+              </a:rPr>
+              <a:t></a:t>
+            </a:r>
+            <a:endParaRPr lang="en-US" dirty="0" smtClean="0"/>
+          </a:p>
+          <a:p>
+            <a:r>
+              <a:rPr lang="en-US" dirty="0" smtClean="0"/>
+              <a:t>JUGTAWAT DIVYAVRAT :p</a:t>
+            </a:r>
+          </a:p>
+          <a:p>
+            <a:r>
+              <a:rPr lang="en-US" dirty="0" smtClean="0"/>
+              <a:t>CHOUDHARY SANTOSH </a:t>
+            </a:r>
+            <a:r>
+              <a:rPr lang="en-US" dirty="0" smtClean="0">
+                <a:sym typeface="Wingdings" pitchFamily="2" charset="2"/>
+              </a:rPr>
+              <a:t></a:t>
+            </a:r>
+            <a:endParaRPr lang="en-US" dirty="0" smtClean="0"/>
+          </a:p>
+          <a:p>
+            <a:r>
+              <a:rPr lang="en-US" dirty="0" smtClean="0"/>
+              <a:t>CHOUDHARY GUNJAN ;) </a:t>
+            </a:r>
+          </a:p>
+          <a:p>
+            <a:pPr>
+              <a:buNone/>
+            </a:pPr>
+            <a:endParaRPr lang="en-US" dirty="0" smtClean="0"/>
+          </a:p>
+          <a:p>
+            <a:endParaRPr lang="en-US" dirty="0"/>
+          </a:p>
+        </p:txBody>
+      </p:sp>
+      <p:sp>
+        <p:nvSpPr>
+          <p:cNvPr id="2" name="Title 1"/>
+          <p:cNvSpPr>
+            <a:spLocks noGrp="1"/>
+          </p:cNvSpPr>
+          <p:nvPr>
+            <p:ph type="title"/>
+          </p:nvPr>
+        </p:nvSpPr>
+        <p:spPr/>
+        <p:txBody>
+          <a:bodyPr/>
+          <a:lstStyle/>
+          <a:p>
+            <a:r>
+              <a:rPr smtClean="0"/>
+              <a:t>TEAM MEMBERS</a:t>
+            </a:r>
+            <a:r>
+              <a:rPr lang="en-US" dirty="0" smtClean="0"/>
+              <a:t>….</a:t>
+            </a:r>
+            <a:endParaRPr lang="en-US" dirty="0"/>
+          </a:p>
+        </p:txBody>
+      </p:sp>
     </p:spTree>
   </p:cSld>
   <p:clrMapOvr>
